--- a/04_AdvCacheOpt_I_01.pptx
+++ b/04_AdvCacheOpt_I_01.pptx
@@ -8456,6 +8456,48 @@
               <a:t>2</a:t>
             </a:fld>
             <a:endParaRPr lang="zh-TW" altLang="en-US"/>
+          </a:p>
+        </p:txBody>
+      </p:sp>
+      <p:sp>
+        <p:nvSpPr>
+          <p:cNvPr id="8" name="TextBox 7">
+            <a:extLst>
+              <a:ext uri="{FF2B5EF4-FFF2-40B4-BE49-F238E27FC236}">
+                <a16:creationId xmlns:a16="http://schemas.microsoft.com/office/drawing/2014/main" id="{490930C6-D5FF-1352-6402-D054BD71425B}"/>
+              </a:ext>
+            </a:extLst>
+          </p:cNvPr>
+          <p:cNvSpPr txBox="1"/>
+          <p:nvPr/>
+        </p:nvSpPr>
+        <p:spPr>
+          <a:xfrm>
+            <a:off x="611560" y="3140968"/>
+            <a:ext cx="7632848" cy="369332"/>
+          </a:xfrm>
+          <a:prstGeom prst="rect">
+            <a:avLst/>
+          </a:prstGeom>
+          <a:solidFill>
+            <a:srgbClr val="FFFF00"/>
+          </a:solidFill>
+          <a:ln>
+            <a:solidFill>
+              <a:srgbClr val="C00000"/>
+            </a:solidFill>
+          </a:ln>
+        </p:spPr>
+        <p:txBody>
+          <a:bodyPr wrap="square">
+            <a:spAutoFit/>
+          </a:bodyPr>
+          <a:lstStyle/>
+          <a:p>
+            <a:r>
+              <a:rPr lang="en-US" dirty="0"/>
+              <a:t>https://www.geeksforgeeks.org/basic-cache-optimization-techniques/</a:t>
+            </a:r>
           </a:p>
         </p:txBody>
       </p:sp>
